--- a/analysis/workflow_overview.pptx
+++ b/analysis/workflow_overview.pptx
@@ -104,6 +104,11 @@
       </a:defRPr>
     </a:lvl9pPr>
   </p:defaultTextStyle>
+  <p:extLst>
+    <p:ext uri="{EFAFB233-063F-42B5-8137-9DF3F51BA10A}">
+      <p15:sldGuideLst xmlns:p15="http://schemas.microsoft.com/office/powerpoint/2012/main"/>
+    </p:ext>
+  </p:extLst>
 </p:presentation>
 </file>
 
@@ -256,7 +261,7 @@
           <a:p>
             <a:fld id="{2492A067-E1DE-43B5-8493-34EB4249EF54}" type="datetimeFigureOut">
               <a:rPr lang="en-US" smtClean="0"/>
-              <a:t>3/28/2022</a:t>
+              <a:t>8/2/2022</a:t>
             </a:fld>
             <a:endParaRPr lang="en-US"/>
           </a:p>
@@ -456,7 +461,7 @@
           <a:p>
             <a:fld id="{2492A067-E1DE-43B5-8493-34EB4249EF54}" type="datetimeFigureOut">
               <a:rPr lang="en-US" smtClean="0"/>
-              <a:t>3/28/2022</a:t>
+              <a:t>8/2/2022</a:t>
             </a:fld>
             <a:endParaRPr lang="en-US"/>
           </a:p>
@@ -666,7 +671,7 @@
           <a:p>
             <a:fld id="{2492A067-E1DE-43B5-8493-34EB4249EF54}" type="datetimeFigureOut">
               <a:rPr lang="en-US" smtClean="0"/>
-              <a:t>3/28/2022</a:t>
+              <a:t>8/2/2022</a:t>
             </a:fld>
             <a:endParaRPr lang="en-US"/>
           </a:p>
@@ -866,7 +871,7 @@
           <a:p>
             <a:fld id="{2492A067-E1DE-43B5-8493-34EB4249EF54}" type="datetimeFigureOut">
               <a:rPr lang="en-US" smtClean="0"/>
-              <a:t>3/28/2022</a:t>
+              <a:t>8/2/2022</a:t>
             </a:fld>
             <a:endParaRPr lang="en-US"/>
           </a:p>
@@ -1142,7 +1147,7 @@
           <a:p>
             <a:fld id="{2492A067-E1DE-43B5-8493-34EB4249EF54}" type="datetimeFigureOut">
               <a:rPr lang="en-US" smtClean="0"/>
-              <a:t>3/28/2022</a:t>
+              <a:t>8/2/2022</a:t>
             </a:fld>
             <a:endParaRPr lang="en-US"/>
           </a:p>
@@ -1410,7 +1415,7 @@
           <a:p>
             <a:fld id="{2492A067-E1DE-43B5-8493-34EB4249EF54}" type="datetimeFigureOut">
               <a:rPr lang="en-US" smtClean="0"/>
-              <a:t>3/28/2022</a:t>
+              <a:t>8/2/2022</a:t>
             </a:fld>
             <a:endParaRPr lang="en-US"/>
           </a:p>
@@ -1825,7 +1830,7 @@
           <a:p>
             <a:fld id="{2492A067-E1DE-43B5-8493-34EB4249EF54}" type="datetimeFigureOut">
               <a:rPr lang="en-US" smtClean="0"/>
-              <a:t>3/28/2022</a:t>
+              <a:t>8/2/2022</a:t>
             </a:fld>
             <a:endParaRPr lang="en-US"/>
           </a:p>
@@ -1967,7 +1972,7 @@
           <a:p>
             <a:fld id="{2492A067-E1DE-43B5-8493-34EB4249EF54}" type="datetimeFigureOut">
               <a:rPr lang="en-US" smtClean="0"/>
-              <a:t>3/28/2022</a:t>
+              <a:t>8/2/2022</a:t>
             </a:fld>
             <a:endParaRPr lang="en-US"/>
           </a:p>
@@ -2080,7 +2085,7 @@
           <a:p>
             <a:fld id="{2492A067-E1DE-43B5-8493-34EB4249EF54}" type="datetimeFigureOut">
               <a:rPr lang="en-US" smtClean="0"/>
-              <a:t>3/28/2022</a:t>
+              <a:t>8/2/2022</a:t>
             </a:fld>
             <a:endParaRPr lang="en-US"/>
           </a:p>
@@ -2393,7 +2398,7 @@
           <a:p>
             <a:fld id="{2492A067-E1DE-43B5-8493-34EB4249EF54}" type="datetimeFigureOut">
               <a:rPr lang="en-US" smtClean="0"/>
-              <a:t>3/28/2022</a:t>
+              <a:t>8/2/2022</a:t>
             </a:fld>
             <a:endParaRPr lang="en-US"/>
           </a:p>
@@ -2682,7 +2687,7 @@
           <a:p>
             <a:fld id="{2492A067-E1DE-43B5-8493-34EB4249EF54}" type="datetimeFigureOut">
               <a:rPr lang="en-US" smtClean="0"/>
-              <a:t>3/28/2022</a:t>
+              <a:t>8/2/2022</a:t>
             </a:fld>
             <a:endParaRPr lang="en-US"/>
           </a:p>
@@ -2925,7 +2930,7 @@
           <a:p>
             <a:fld id="{2492A067-E1DE-43B5-8493-34EB4249EF54}" type="datetimeFigureOut">
               <a:rPr lang="en-US" smtClean="0"/>
-              <a:t>3/28/2022</a:t>
+              <a:t>8/2/2022</a:t>
             </a:fld>
             <a:endParaRPr lang="en-US"/>
           </a:p>
@@ -3344,10 +3349,10 @@
       </p:grpSpPr>
       <p:sp>
         <p:nvSpPr>
-          <p:cNvPr id="4" name="Rechteck 3">
-            <a:extLst>
-              <a:ext uri="{FF2B5EF4-FFF2-40B4-BE49-F238E27FC236}">
-                <a16:creationId xmlns:a16="http://schemas.microsoft.com/office/drawing/2014/main" id="{F20AC1B8-8837-443B-8B68-215ABECB060F}"/>
+          <p:cNvPr id="129" name="Rechteck 128">
+            <a:extLst>
+              <a:ext uri="{FF2B5EF4-FFF2-40B4-BE49-F238E27FC236}">
+                <a16:creationId xmlns:a16="http://schemas.microsoft.com/office/drawing/2014/main" id="{50588F02-306A-49B1-BFDA-CA81D7E7817E}"/>
               </a:ext>
             </a:extLst>
           </p:cNvPr>
@@ -3356,12 +3361,18 @@
         </p:nvSpPr>
         <p:spPr>
           <a:xfrm>
-            <a:off x="774357" y="1408671"/>
-            <a:ext cx="757881" cy="733168"/>
+            <a:off x="1605511" y="1224926"/>
+            <a:ext cx="2954245" cy="1649687"/>
           </a:xfrm>
           <a:prstGeom prst="rect">
             <a:avLst/>
           </a:prstGeom>
+          <a:solidFill>
+            <a:schemeClr val="bg2"/>
+          </a:solidFill>
+          <a:ln>
+            <a:noFill/>
+          </a:ln>
         </p:spPr>
         <p:style>
           <a:lnRef idx="2">
@@ -3384,9 +3395,55 @@
           <a:lstStyle/>
           <a:p>
             <a:pPr algn="ctr"/>
+            <a:endParaRPr lang="en-US"/>
+          </a:p>
+        </p:txBody>
+      </p:sp>
+      <p:sp>
+        <p:nvSpPr>
+          <p:cNvPr id="4" name="Rechteck 3">
+            <a:extLst>
+              <a:ext uri="{FF2B5EF4-FFF2-40B4-BE49-F238E27FC236}">
+                <a16:creationId xmlns:a16="http://schemas.microsoft.com/office/drawing/2014/main" id="{F20AC1B8-8837-443B-8B68-215ABECB060F}"/>
+              </a:ext>
+            </a:extLst>
+          </p:cNvPr>
+          <p:cNvSpPr/>
+          <p:nvPr/>
+        </p:nvSpPr>
+        <p:spPr>
+          <a:xfrm>
+            <a:off x="1769222" y="2001425"/>
+            <a:ext cx="757881" cy="733168"/>
+          </a:xfrm>
+          <a:prstGeom prst="rect">
+            <a:avLst/>
+          </a:prstGeom>
+        </p:spPr>
+        <p:style>
+          <a:lnRef idx="2">
+            <a:schemeClr val="accent1">
+              <a:shade val="50000"/>
+            </a:schemeClr>
+          </a:lnRef>
+          <a:fillRef idx="1">
+            <a:schemeClr val="accent1"/>
+          </a:fillRef>
+          <a:effectRef idx="0">
+            <a:schemeClr val="accent1"/>
+          </a:effectRef>
+          <a:fontRef idx="minor">
+            <a:schemeClr val="lt1"/>
+          </a:fontRef>
+        </p:style>
+        <p:txBody>
+          <a:bodyPr rtlCol="0" anchor="ctr"/>
+          <a:lstStyle/>
+          <a:p>
+            <a:pPr algn="ctr"/>
             <a:r>
               <a:rPr lang="de-DE" sz="1000" dirty="0"/>
-              <a:t>Raw Data</a:t>
+              <a:t>External Data</a:t>
             </a:r>
             <a:endParaRPr lang="en-US" sz="1000" dirty="0"/>
           </a:p>
@@ -3802,7 +3859,11 @@
             <a:pPr algn="ctr"/>
             <a:r>
               <a:rPr lang="de-DE" sz="1000" dirty="0"/>
-              <a:t>Transform</a:t>
+              <a:t>DB </a:t>
+            </a:r>
+            <a:r>
+              <a:rPr lang="de-DE" sz="1000" dirty="0" err="1"/>
+              <a:t>creation</a:t>
             </a:r>
             <a:endParaRPr lang="en-US" sz="1000" dirty="0"/>
           </a:p>
@@ -3822,7 +3883,7 @@
         </p:nvSpPr>
         <p:spPr>
           <a:xfrm>
-            <a:off x="2681695" y="1392376"/>
+            <a:off x="3143013" y="1384139"/>
             <a:ext cx="1033670" cy="733168"/>
           </a:xfrm>
           <a:prstGeom prst="ellipse">
@@ -3881,15 +3942,15 @@
         </p:spPr>
         <p:style>
           <a:lnRef idx="2">
-            <a:schemeClr val="accent6">
+            <a:schemeClr val="accent4">
               <a:shade val="50000"/>
             </a:schemeClr>
           </a:lnRef>
           <a:fillRef idx="1">
-            <a:schemeClr val="accent6"/>
+            <a:schemeClr val="accent4"/>
           </a:fillRef>
           <a:effectRef idx="0">
-            <a:schemeClr val="accent6"/>
+            <a:schemeClr val="accent4"/>
           </a:effectRef>
           <a:fontRef idx="minor">
             <a:schemeClr val="lt1"/>
@@ -4076,7 +4137,7 @@
         </p:nvSpPr>
         <p:spPr>
           <a:xfrm>
-            <a:off x="241629" y="5088756"/>
+            <a:off x="241629" y="5926956"/>
             <a:ext cx="1033670" cy="733168"/>
           </a:xfrm>
           <a:prstGeom prst="ellipse">
@@ -4137,8 +4198,8 @@
         </p:nvCxnSpPr>
         <p:spPr>
           <a:xfrm flipV="1">
-            <a:off x="1532238" y="1758960"/>
-            <a:ext cx="1149457" cy="16295"/>
+            <a:off x="2527103" y="1750723"/>
+            <a:ext cx="615910" cy="617286"/>
           </a:xfrm>
           <a:prstGeom prst="straightConnector1">
             <a:avLst/>
@@ -4180,8 +4241,8 @@
         </p:nvCxnSpPr>
         <p:spPr>
           <a:xfrm>
-            <a:off x="3715365" y="1758960"/>
-            <a:ext cx="1014143" cy="0"/>
+            <a:off x="4176683" y="1750723"/>
+            <a:ext cx="552825" cy="8237"/>
           </a:xfrm>
           <a:prstGeom prst="straightConnector1">
             <a:avLst/>
@@ -5042,7 +5103,7 @@
         </p:nvSpPr>
         <p:spPr>
           <a:xfrm>
-            <a:off x="241628" y="4192846"/>
+            <a:off x="241628" y="5031046"/>
             <a:ext cx="1033670" cy="733168"/>
           </a:xfrm>
           <a:prstGeom prst="ellipse">
@@ -5084,10 +5145,170 @@
       </p:sp>
       <p:sp>
         <p:nvSpPr>
-          <p:cNvPr id="87" name="Ellipse 86">
-            <a:extLst>
-              <a:ext uri="{FF2B5EF4-FFF2-40B4-BE49-F238E27FC236}">
-                <a16:creationId xmlns:a16="http://schemas.microsoft.com/office/drawing/2014/main" id="{4BDD8F19-E6B5-4FF4-9048-E2B8B19F1FDC}"/>
+          <p:cNvPr id="88" name="Textfeld 87">
+            <a:extLst>
+              <a:ext uri="{FF2B5EF4-FFF2-40B4-BE49-F238E27FC236}">
+                <a16:creationId xmlns:a16="http://schemas.microsoft.com/office/drawing/2014/main" id="{1DA73D18-B886-4856-9BD4-205E2FB656B1}"/>
+              </a:ext>
+            </a:extLst>
+          </p:cNvPr>
+          <p:cNvSpPr txBox="1"/>
+          <p:nvPr/>
+        </p:nvSpPr>
+        <p:spPr>
+          <a:xfrm>
+            <a:off x="7879461" y="2734593"/>
+            <a:ext cx="2400694" cy="261610"/>
+          </a:xfrm>
+          <a:prstGeom prst="rect">
+            <a:avLst/>
+          </a:prstGeom>
+          <a:noFill/>
+        </p:spPr>
+        <p:txBody>
+          <a:bodyPr wrap="square" rtlCol="0">
+            <a:spAutoFit/>
+          </a:bodyPr>
+          <a:lstStyle/>
+          <a:p>
+            <a:r>
+              <a:rPr lang="de-DE" sz="1100" dirty="0" err="1"/>
+              <a:t>analysis</a:t>
+            </a:r>
+            <a:r>
+              <a:rPr lang="de-DE" sz="1100" dirty="0"/>
+              <a:t>/analysis_01_matching.Rmd</a:t>
+            </a:r>
+            <a:endParaRPr lang="en-US" sz="1100" dirty="0"/>
+          </a:p>
+        </p:txBody>
+      </p:sp>
+      <p:sp>
+        <p:nvSpPr>
+          <p:cNvPr id="89" name="Textfeld 88">
+            <a:extLst>
+              <a:ext uri="{FF2B5EF4-FFF2-40B4-BE49-F238E27FC236}">
+                <a16:creationId xmlns:a16="http://schemas.microsoft.com/office/drawing/2014/main" id="{86917E7D-A546-488F-90B5-191AC7D888F6}"/>
+              </a:ext>
+            </a:extLst>
+          </p:cNvPr>
+          <p:cNvSpPr txBox="1"/>
+          <p:nvPr/>
+        </p:nvSpPr>
+        <p:spPr>
+          <a:xfrm>
+            <a:off x="9490104" y="6147261"/>
+            <a:ext cx="2497160" cy="261610"/>
+          </a:xfrm>
+          <a:prstGeom prst="rect">
+            <a:avLst/>
+          </a:prstGeom>
+          <a:noFill/>
+        </p:spPr>
+        <p:txBody>
+          <a:bodyPr wrap="square" rtlCol="0">
+            <a:spAutoFit/>
+          </a:bodyPr>
+          <a:lstStyle/>
+          <a:p>
+            <a:r>
+              <a:rPr lang="de-DE" sz="1100" dirty="0" err="1"/>
+              <a:t>analysis</a:t>
+            </a:r>
+            <a:r>
+              <a:rPr lang="de-DE" sz="1100" dirty="0"/>
+              <a:t>/ analysis_02_createpanel.Rmd</a:t>
+            </a:r>
+            <a:endParaRPr lang="en-US" sz="1100" dirty="0"/>
+          </a:p>
+        </p:txBody>
+      </p:sp>
+      <p:sp>
+        <p:nvSpPr>
+          <p:cNvPr id="90" name="Textfeld 89">
+            <a:extLst>
+              <a:ext uri="{FF2B5EF4-FFF2-40B4-BE49-F238E27FC236}">
+                <a16:creationId xmlns:a16="http://schemas.microsoft.com/office/drawing/2014/main" id="{B4C004B8-F154-44FE-AB12-6C2514D330CA}"/>
+              </a:ext>
+            </a:extLst>
+          </p:cNvPr>
+          <p:cNvSpPr txBox="1"/>
+          <p:nvPr/>
+        </p:nvSpPr>
+        <p:spPr>
+          <a:xfrm>
+            <a:off x="6057975" y="6616735"/>
+            <a:ext cx="2586349" cy="261610"/>
+          </a:xfrm>
+          <a:prstGeom prst="rect">
+            <a:avLst/>
+          </a:prstGeom>
+          <a:noFill/>
+        </p:spPr>
+        <p:txBody>
+          <a:bodyPr wrap="square" rtlCol="0">
+            <a:spAutoFit/>
+          </a:bodyPr>
+          <a:lstStyle/>
+          <a:p>
+            <a:r>
+              <a:rPr lang="de-DE" sz="1100" dirty="0" err="1"/>
+              <a:t>analysis</a:t>
+            </a:r>
+            <a:r>
+              <a:rPr lang="de-DE" sz="1100" dirty="0"/>
+              <a:t>/ analysis_03_descriptives.Rmd</a:t>
+            </a:r>
+            <a:endParaRPr lang="en-US" sz="1100" dirty="0"/>
+          </a:p>
+        </p:txBody>
+      </p:sp>
+      <p:sp>
+        <p:nvSpPr>
+          <p:cNvPr id="91" name="Textfeld 90">
+            <a:extLst>
+              <a:ext uri="{FF2B5EF4-FFF2-40B4-BE49-F238E27FC236}">
+                <a16:creationId xmlns:a16="http://schemas.microsoft.com/office/drawing/2014/main" id="{180F9B77-09A1-41E5-BF13-EBD073812990}"/>
+              </a:ext>
+            </a:extLst>
+          </p:cNvPr>
+          <p:cNvSpPr txBox="1"/>
+          <p:nvPr/>
+        </p:nvSpPr>
+        <p:spPr>
+          <a:xfrm>
+            <a:off x="6030211" y="4199937"/>
+            <a:ext cx="2734511" cy="261610"/>
+          </a:xfrm>
+          <a:prstGeom prst="rect">
+            <a:avLst/>
+          </a:prstGeom>
+          <a:noFill/>
+        </p:spPr>
+        <p:txBody>
+          <a:bodyPr wrap="square" rtlCol="0">
+            <a:spAutoFit/>
+          </a:bodyPr>
+          <a:lstStyle/>
+          <a:p>
+            <a:r>
+              <a:rPr lang="de-DE" sz="1100" dirty="0" err="1"/>
+              <a:t>analysis</a:t>
+            </a:r>
+            <a:r>
+              <a:rPr lang="de-DE" sz="1100" dirty="0"/>
+              <a:t>/ analysis_04_regression.Rmd</a:t>
+            </a:r>
+            <a:endParaRPr lang="en-US" sz="1100" dirty="0"/>
+          </a:p>
+        </p:txBody>
+      </p:sp>
+      <p:sp>
+        <p:nvSpPr>
+          <p:cNvPr id="96" name="Rechteck 95">
+            <a:extLst>
+              <a:ext uri="{FF2B5EF4-FFF2-40B4-BE49-F238E27FC236}">
+                <a16:creationId xmlns:a16="http://schemas.microsoft.com/office/drawing/2014/main" id="{13EBADCB-BE60-481D-8BD4-C4A249EBA808}"/>
               </a:ext>
             </a:extLst>
           </p:cNvPr>
@@ -5096,24 +5317,24 @@
         </p:nvSpPr>
         <p:spPr>
           <a:xfrm>
-            <a:off x="241628" y="5986630"/>
-            <a:ext cx="1033670" cy="733168"/>
-          </a:xfrm>
-          <a:prstGeom prst="ellipse">
+            <a:off x="1605511" y="289980"/>
+            <a:ext cx="757881" cy="733168"/>
+          </a:xfrm>
+          <a:prstGeom prst="rect">
             <a:avLst/>
           </a:prstGeom>
         </p:spPr>
         <p:style>
           <a:lnRef idx="2">
-            <a:schemeClr val="accent6">
+            <a:schemeClr val="accent1">
               <a:shade val="50000"/>
             </a:schemeClr>
           </a:lnRef>
           <a:fillRef idx="1">
-            <a:schemeClr val="accent6"/>
+            <a:schemeClr val="accent1"/>
           </a:fillRef>
           <a:effectRef idx="0">
-            <a:schemeClr val="accent6"/>
+            <a:schemeClr val="accent1"/>
           </a:effectRef>
           <a:fontRef idx="minor">
             <a:schemeClr val="lt1"/>
@@ -5126,7 +5347,7 @@
             <a:pPr algn="ctr"/>
             <a:r>
               <a:rPr lang="de-DE" sz="1000" dirty="0" err="1"/>
-              <a:t>Stata</a:t>
+              <a:t>grid</a:t>
             </a:r>
             <a:endParaRPr lang="en-US" sz="1000" dirty="0"/>
           </a:p>
@@ -5134,10 +5355,411 @@
       </p:sp>
       <p:sp>
         <p:nvSpPr>
-          <p:cNvPr id="88" name="Textfeld 87">
-            <a:extLst>
-              <a:ext uri="{FF2B5EF4-FFF2-40B4-BE49-F238E27FC236}">
-                <a16:creationId xmlns:a16="http://schemas.microsoft.com/office/drawing/2014/main" id="{1DA73D18-B886-4856-9BD4-205E2FB656B1}"/>
+          <p:cNvPr id="97" name="Ellipse 96">
+            <a:extLst>
+              <a:ext uri="{FF2B5EF4-FFF2-40B4-BE49-F238E27FC236}">
+                <a16:creationId xmlns:a16="http://schemas.microsoft.com/office/drawing/2014/main" id="{3A834455-7D8D-4B03-B38B-B97DE7615EEC}"/>
+              </a:ext>
+            </a:extLst>
+          </p:cNvPr>
+          <p:cNvSpPr/>
+          <p:nvPr/>
+        </p:nvSpPr>
+        <p:spPr>
+          <a:xfrm>
+            <a:off x="3420498" y="289980"/>
+            <a:ext cx="1033670" cy="733168"/>
+          </a:xfrm>
+          <a:prstGeom prst="ellipse">
+            <a:avLst/>
+          </a:prstGeom>
+        </p:spPr>
+        <p:style>
+          <a:lnRef idx="2">
+            <a:schemeClr val="accent2">
+              <a:shade val="50000"/>
+            </a:schemeClr>
+          </a:lnRef>
+          <a:fillRef idx="1">
+            <a:schemeClr val="accent2"/>
+          </a:fillRef>
+          <a:effectRef idx="0">
+            <a:schemeClr val="accent2"/>
+          </a:effectRef>
+          <a:fontRef idx="minor">
+            <a:schemeClr val="lt1"/>
+          </a:fontRef>
+        </p:style>
+        <p:txBody>
+          <a:bodyPr rtlCol="0" anchor="ctr"/>
+          <a:lstStyle/>
+          <a:p>
+            <a:pPr algn="ctr"/>
+            <a:r>
+              <a:rPr lang="de-DE" sz="1000" dirty="0" err="1"/>
+              <a:t>Grid</a:t>
+            </a:r>
+            <a:r>
+              <a:rPr lang="de-DE" sz="1000" dirty="0"/>
+              <a:t> </a:t>
+            </a:r>
+            <a:r>
+              <a:rPr lang="de-DE" sz="1000" dirty="0" err="1"/>
+              <a:t>creation</a:t>
+            </a:r>
+            <a:endParaRPr lang="en-US" sz="1000" dirty="0"/>
+          </a:p>
+        </p:txBody>
+      </p:sp>
+      <p:sp>
+        <p:nvSpPr>
+          <p:cNvPr id="100" name="Rechteck 99">
+            <a:extLst>
+              <a:ext uri="{FF2B5EF4-FFF2-40B4-BE49-F238E27FC236}">
+                <a16:creationId xmlns:a16="http://schemas.microsoft.com/office/drawing/2014/main" id="{C1C2180E-C22D-4A4B-BC1D-FFD111465AF8}"/>
+              </a:ext>
+            </a:extLst>
+          </p:cNvPr>
+          <p:cNvSpPr/>
+          <p:nvPr/>
+        </p:nvSpPr>
+        <p:spPr>
+          <a:xfrm>
+            <a:off x="5550448" y="289980"/>
+            <a:ext cx="757881" cy="733168"/>
+          </a:xfrm>
+          <a:prstGeom prst="rect">
+            <a:avLst/>
+          </a:prstGeom>
+        </p:spPr>
+        <p:style>
+          <a:lnRef idx="2">
+            <a:schemeClr val="accent1">
+              <a:shade val="50000"/>
+            </a:schemeClr>
+          </a:lnRef>
+          <a:fillRef idx="1">
+            <a:schemeClr val="accent1"/>
+          </a:fillRef>
+          <a:effectRef idx="0">
+            <a:schemeClr val="accent1"/>
+          </a:effectRef>
+          <a:fontRef idx="minor">
+            <a:schemeClr val="lt1"/>
+          </a:fontRef>
+        </p:style>
+        <p:txBody>
+          <a:bodyPr rtlCol="0" anchor="ctr"/>
+          <a:lstStyle/>
+          <a:p>
+            <a:pPr algn="ctr"/>
+            <a:r>
+              <a:rPr lang="de-DE" sz="1000" dirty="0"/>
+              <a:t>WDPA + KfW </a:t>
+            </a:r>
+            <a:r>
+              <a:rPr lang="de-DE" sz="1000" dirty="0" err="1"/>
+              <a:t>data</a:t>
+            </a:r>
+            <a:endParaRPr lang="en-US" sz="1000" dirty="0"/>
+          </a:p>
+        </p:txBody>
+      </p:sp>
+      <p:cxnSp>
+        <p:nvCxnSpPr>
+          <p:cNvPr id="101" name="Gerade Verbindung mit Pfeil 100">
+            <a:extLst>
+              <a:ext uri="{FF2B5EF4-FFF2-40B4-BE49-F238E27FC236}">
+                <a16:creationId xmlns:a16="http://schemas.microsoft.com/office/drawing/2014/main" id="{AC8A5EC6-66EE-4769-BF77-1422A57555BE}"/>
+              </a:ext>
+            </a:extLst>
+          </p:cNvPr>
+          <p:cNvCxnSpPr>
+            <a:cxnSpLocks/>
+            <a:stCxn id="96" idx="3"/>
+            <a:endCxn id="13" idx="2"/>
+          </p:cNvCxnSpPr>
+          <p:nvPr/>
+        </p:nvCxnSpPr>
+        <p:spPr>
+          <a:xfrm>
+            <a:off x="2363392" y="656564"/>
+            <a:ext cx="779621" cy="1094159"/>
+          </a:xfrm>
+          <a:prstGeom prst="straightConnector1">
+            <a:avLst/>
+          </a:prstGeom>
+          <a:ln>
+            <a:tailEnd type="triangle"/>
+          </a:ln>
+        </p:spPr>
+        <p:style>
+          <a:lnRef idx="1">
+            <a:schemeClr val="accent1"/>
+          </a:lnRef>
+          <a:fillRef idx="0">
+            <a:schemeClr val="accent1"/>
+          </a:fillRef>
+          <a:effectRef idx="0">
+            <a:schemeClr val="accent1"/>
+          </a:effectRef>
+          <a:fontRef idx="minor">
+            <a:schemeClr val="tx1"/>
+          </a:fontRef>
+        </p:style>
+      </p:cxnSp>
+      <p:cxnSp>
+        <p:nvCxnSpPr>
+          <p:cNvPr id="104" name="Gerade Verbindung mit Pfeil 103">
+            <a:extLst>
+              <a:ext uri="{FF2B5EF4-FFF2-40B4-BE49-F238E27FC236}">
+                <a16:creationId xmlns:a16="http://schemas.microsoft.com/office/drawing/2014/main" id="{1E3CDCFE-64EC-4BA1-83BD-46B39283368F}"/>
+              </a:ext>
+            </a:extLst>
+          </p:cNvPr>
+          <p:cNvCxnSpPr>
+            <a:cxnSpLocks/>
+            <a:stCxn id="97" idx="2"/>
+            <a:endCxn id="96" idx="3"/>
+          </p:cNvCxnSpPr>
+          <p:nvPr/>
+        </p:nvCxnSpPr>
+        <p:spPr>
+          <a:xfrm flipH="1">
+            <a:off x="2363392" y="656564"/>
+            <a:ext cx="1057106" cy="0"/>
+          </a:xfrm>
+          <a:prstGeom prst="straightConnector1">
+            <a:avLst/>
+          </a:prstGeom>
+          <a:ln>
+            <a:tailEnd type="triangle"/>
+          </a:ln>
+        </p:spPr>
+        <p:style>
+          <a:lnRef idx="1">
+            <a:schemeClr val="accent1"/>
+          </a:lnRef>
+          <a:fillRef idx="0">
+            <a:schemeClr val="accent1"/>
+          </a:fillRef>
+          <a:effectRef idx="0">
+            <a:schemeClr val="accent1"/>
+          </a:effectRef>
+          <a:fontRef idx="minor">
+            <a:schemeClr val="tx1"/>
+          </a:fontRef>
+        </p:style>
+      </p:cxnSp>
+      <p:cxnSp>
+        <p:nvCxnSpPr>
+          <p:cNvPr id="107" name="Gerade Verbindung mit Pfeil 106">
+            <a:extLst>
+              <a:ext uri="{FF2B5EF4-FFF2-40B4-BE49-F238E27FC236}">
+                <a16:creationId xmlns:a16="http://schemas.microsoft.com/office/drawing/2014/main" id="{5D4A5D88-747B-4912-B2C5-BCDB1CAF4748}"/>
+              </a:ext>
+            </a:extLst>
+          </p:cNvPr>
+          <p:cNvCxnSpPr>
+            <a:cxnSpLocks/>
+            <a:stCxn id="100" idx="1"/>
+            <a:endCxn id="97" idx="6"/>
+          </p:cNvCxnSpPr>
+          <p:nvPr/>
+        </p:nvCxnSpPr>
+        <p:spPr>
+          <a:xfrm flipH="1">
+            <a:off x="4454168" y="656564"/>
+            <a:ext cx="1096280" cy="0"/>
+          </a:xfrm>
+          <a:prstGeom prst="straightConnector1">
+            <a:avLst/>
+          </a:prstGeom>
+          <a:ln>
+            <a:tailEnd type="triangle"/>
+          </a:ln>
+        </p:spPr>
+        <p:style>
+          <a:lnRef idx="1">
+            <a:schemeClr val="accent1"/>
+          </a:lnRef>
+          <a:fillRef idx="0">
+            <a:schemeClr val="accent1"/>
+          </a:fillRef>
+          <a:effectRef idx="0">
+            <a:schemeClr val="accent1"/>
+          </a:effectRef>
+          <a:fontRef idx="minor">
+            <a:schemeClr val="tx1"/>
+          </a:fontRef>
+        </p:style>
+      </p:cxnSp>
+      <p:sp>
+        <p:nvSpPr>
+          <p:cNvPr id="111" name="Sechseck 110">
+            <a:extLst>
+              <a:ext uri="{FF2B5EF4-FFF2-40B4-BE49-F238E27FC236}">
+                <a16:creationId xmlns:a16="http://schemas.microsoft.com/office/drawing/2014/main" id="{94B95233-B0D5-4C70-ABE1-20B165562C5A}"/>
+              </a:ext>
+            </a:extLst>
+          </p:cNvPr>
+          <p:cNvSpPr/>
+          <p:nvPr/>
+        </p:nvSpPr>
+        <p:spPr>
+          <a:xfrm>
+            <a:off x="2709091" y="2326611"/>
+            <a:ext cx="1603155" cy="401665"/>
+          </a:xfrm>
+          <a:prstGeom prst="hexagon">
+            <a:avLst/>
+          </a:prstGeom>
+        </p:spPr>
+        <p:style>
+          <a:lnRef idx="1">
+            <a:schemeClr val="accent4"/>
+          </a:lnRef>
+          <a:fillRef idx="2">
+            <a:schemeClr val="accent4"/>
+          </a:fillRef>
+          <a:effectRef idx="1">
+            <a:schemeClr val="accent4"/>
+          </a:effectRef>
+          <a:fontRef idx="minor">
+            <a:schemeClr val="dk1"/>
+          </a:fontRef>
+        </p:style>
+        <p:txBody>
+          <a:bodyPr rtlCol="0" anchor="ctr"/>
+          <a:lstStyle/>
+          <a:p>
+            <a:pPr algn="ctr"/>
+            <a:r>
+              <a:rPr lang="de-DE" sz="1050" dirty="0" err="1"/>
+              <a:t>Mapme.biodiversity</a:t>
+            </a:r>
+            <a:r>
+              <a:rPr lang="de-DE" sz="1050" dirty="0"/>
+              <a:t> </a:t>
+            </a:r>
+          </a:p>
+          <a:p>
+            <a:pPr algn="ctr"/>
+            <a:r>
+              <a:rPr lang="de-DE" sz="1050" dirty="0"/>
+              <a:t>(R-</a:t>
+            </a:r>
+            <a:r>
+              <a:rPr lang="de-DE" sz="1050" dirty="0" err="1"/>
+              <a:t>package</a:t>
+            </a:r>
+            <a:r>
+              <a:rPr lang="de-DE" sz="1050" dirty="0"/>
+              <a:t>)</a:t>
+            </a:r>
+            <a:endParaRPr lang="en-US" sz="1050" dirty="0"/>
+          </a:p>
+        </p:txBody>
+      </p:sp>
+      <p:sp>
+        <p:nvSpPr>
+          <p:cNvPr id="133" name="Ellipse 132">
+            <a:extLst>
+              <a:ext uri="{FF2B5EF4-FFF2-40B4-BE49-F238E27FC236}">
+                <a16:creationId xmlns:a16="http://schemas.microsoft.com/office/drawing/2014/main" id="{EAFEAEF5-0687-4CEA-9803-D8276A9AEDA4}"/>
+              </a:ext>
+            </a:extLst>
+          </p:cNvPr>
+          <p:cNvSpPr/>
+          <p:nvPr/>
+        </p:nvSpPr>
+        <p:spPr>
+          <a:xfrm>
+            <a:off x="7981075" y="171391"/>
+            <a:ext cx="1033670" cy="733168"/>
+          </a:xfrm>
+          <a:prstGeom prst="ellipse">
+            <a:avLst/>
+          </a:prstGeom>
+        </p:spPr>
+        <p:style>
+          <a:lnRef idx="2">
+            <a:schemeClr val="accent4">
+              <a:shade val="50000"/>
+            </a:schemeClr>
+          </a:lnRef>
+          <a:fillRef idx="1">
+            <a:schemeClr val="accent4"/>
+          </a:fillRef>
+          <a:effectRef idx="0">
+            <a:schemeClr val="accent4"/>
+          </a:effectRef>
+          <a:fontRef idx="minor">
+            <a:schemeClr val="lt1"/>
+          </a:fontRef>
+        </p:style>
+        <p:txBody>
+          <a:bodyPr rtlCol="0" anchor="ctr"/>
+          <a:lstStyle/>
+          <a:p>
+            <a:pPr algn="ctr"/>
+            <a:r>
+              <a:rPr lang="de-DE" sz="1000" dirty="0"/>
+              <a:t>Integrity Checks</a:t>
+            </a:r>
+            <a:endParaRPr lang="en-US" sz="1000" dirty="0"/>
+          </a:p>
+        </p:txBody>
+      </p:sp>
+      <p:cxnSp>
+        <p:nvCxnSpPr>
+          <p:cNvPr id="134" name="Gerade Verbindung mit Pfeil 133">
+            <a:extLst>
+              <a:ext uri="{FF2B5EF4-FFF2-40B4-BE49-F238E27FC236}">
+                <a16:creationId xmlns:a16="http://schemas.microsoft.com/office/drawing/2014/main" id="{A259204D-1D9F-4AB2-BB82-700B0FE43949}"/>
+              </a:ext>
+            </a:extLst>
+          </p:cNvPr>
+          <p:cNvCxnSpPr>
+            <a:cxnSpLocks/>
+            <a:stCxn id="133" idx="2"/>
+            <a:endCxn id="12" idx="0"/>
+          </p:cNvCxnSpPr>
+          <p:nvPr/>
+        </p:nvCxnSpPr>
+        <p:spPr>
+          <a:xfrm flipH="1">
+            <a:off x="7144135" y="537975"/>
+            <a:ext cx="836940" cy="854400"/>
+          </a:xfrm>
+          <a:prstGeom prst="straightConnector1">
+            <a:avLst/>
+          </a:prstGeom>
+          <a:ln>
+            <a:tailEnd type="triangle"/>
+          </a:ln>
+        </p:spPr>
+        <p:style>
+          <a:lnRef idx="1">
+            <a:schemeClr val="accent1"/>
+          </a:lnRef>
+          <a:fillRef idx="0">
+            <a:schemeClr val="accent1"/>
+          </a:fillRef>
+          <a:effectRef idx="0">
+            <a:schemeClr val="accent1"/>
+          </a:effectRef>
+          <a:fontRef idx="minor">
+            <a:schemeClr val="tx1"/>
+          </a:fontRef>
+        </p:style>
+      </p:cxnSp>
+      <p:sp>
+        <p:nvSpPr>
+          <p:cNvPr id="138" name="Textfeld 137">
+            <a:extLst>
+              <a:ext uri="{FF2B5EF4-FFF2-40B4-BE49-F238E27FC236}">
+                <a16:creationId xmlns:a16="http://schemas.microsoft.com/office/drawing/2014/main" id="{AF6F3E11-8CCC-4013-AF42-E4EAD8E81B81}"/>
               </a:ext>
             </a:extLst>
           </p:cNvPr>
@@ -5146,7 +5768,7 @@
         </p:nvSpPr>
         <p:spPr>
           <a:xfrm>
-            <a:off x="7879461" y="2734593"/>
+            <a:off x="9074121" y="382634"/>
             <a:ext cx="2400694" cy="261610"/>
           </a:xfrm>
           <a:prstGeom prst="rect">
@@ -5166,7 +5788,7 @@
             </a:r>
             <a:r>
               <a:rPr lang="de-DE" sz="1100" dirty="0"/>
-              <a:t>/analysis_01_matching.Rmd</a:t>
+              <a:t>/analysis_00_integrity.Rmd</a:t>
             </a:r>
             <a:endParaRPr lang="en-US" sz="1100" dirty="0"/>
           </a:p>
@@ -5174,10 +5796,10 @@
       </p:sp>
       <p:sp>
         <p:nvSpPr>
-          <p:cNvPr id="89" name="Textfeld 88">
-            <a:extLst>
-              <a:ext uri="{FF2B5EF4-FFF2-40B4-BE49-F238E27FC236}">
-                <a16:creationId xmlns:a16="http://schemas.microsoft.com/office/drawing/2014/main" id="{86917E7D-A546-488F-90B5-191AC7D888F6}"/>
+          <p:cNvPr id="54" name="Textfeld 53">
+            <a:extLst>
+              <a:ext uri="{FF2B5EF4-FFF2-40B4-BE49-F238E27FC236}">
+                <a16:creationId xmlns:a16="http://schemas.microsoft.com/office/drawing/2014/main" id="{21200D2C-7C41-4A9C-8DAC-5ED0CB45BD24}"/>
               </a:ext>
             </a:extLst>
           </p:cNvPr>
@@ -5186,8 +5808,8 @@
         </p:nvSpPr>
         <p:spPr>
           <a:xfrm>
-            <a:off x="9490104" y="6147261"/>
-            <a:ext cx="2497160" cy="261610"/>
+            <a:off x="5642871" y="2185512"/>
+            <a:ext cx="2747999" cy="261610"/>
           </a:xfrm>
           <a:prstGeom prst="rect">
             <a:avLst/>
@@ -5201,12 +5823,16 @@
           <a:lstStyle/>
           <a:p>
             <a:r>
+              <a:rPr lang="de-DE" sz="1100" dirty="0"/>
+              <a:t>code/</a:t>
+            </a:r>
+            <a:r>
               <a:rPr lang="de-DE" sz="1100" dirty="0" err="1"/>
-              <a:t>analysis</a:t>
+              <a:t>processing_scripts</a:t>
             </a:r>
             <a:r>
               <a:rPr lang="de-DE" sz="1100" dirty="0"/>
-              <a:t>/ analysis_02_createpanel.Rmd</a:t>
+              <a:t>/03_db_creation.R</a:t>
             </a:r>
             <a:endParaRPr lang="en-US" sz="1100" dirty="0"/>
           </a:p>
@@ -5214,10 +5840,10 @@
       </p:sp>
       <p:sp>
         <p:nvSpPr>
-          <p:cNvPr id="90" name="Textfeld 89">
-            <a:extLst>
-              <a:ext uri="{FF2B5EF4-FFF2-40B4-BE49-F238E27FC236}">
-                <a16:creationId xmlns:a16="http://schemas.microsoft.com/office/drawing/2014/main" id="{B4C004B8-F154-44FE-AB12-6C2514D330CA}"/>
+          <p:cNvPr id="56" name="Textfeld 55">
+            <a:extLst>
+              <a:ext uri="{FF2B5EF4-FFF2-40B4-BE49-F238E27FC236}">
+                <a16:creationId xmlns:a16="http://schemas.microsoft.com/office/drawing/2014/main" id="{3FD5AF1F-847D-4002-AA48-DE38C2ABF437}"/>
               </a:ext>
             </a:extLst>
           </p:cNvPr>
@@ -5226,8 +5852,8 @@
         </p:nvSpPr>
         <p:spPr>
           <a:xfrm>
-            <a:off x="6137519" y="6588062"/>
-            <a:ext cx="2586349" cy="261610"/>
+            <a:off x="2615512" y="14763"/>
+            <a:ext cx="2747999" cy="261610"/>
           </a:xfrm>
           <a:prstGeom prst="rect">
             <a:avLst/>
@@ -5241,12 +5867,16 @@
           <a:lstStyle/>
           <a:p>
             <a:r>
+              <a:rPr lang="de-DE" sz="1100" dirty="0"/>
+              <a:t>code/</a:t>
+            </a:r>
+            <a:r>
               <a:rPr lang="de-DE" sz="1100" dirty="0" err="1"/>
-              <a:t>analysis</a:t>
+              <a:t>processing_scripts</a:t>
             </a:r>
             <a:r>
               <a:rPr lang="de-DE" sz="1100" dirty="0"/>
-              <a:t>/ analysis_03_descriptives.Rmd</a:t>
+              <a:t>/01_grid_creation.R</a:t>
             </a:r>
             <a:endParaRPr lang="en-US" sz="1100" dirty="0"/>
           </a:p>
@@ -5254,10 +5884,10 @@
       </p:sp>
       <p:sp>
         <p:nvSpPr>
-          <p:cNvPr id="91" name="Textfeld 90">
-            <a:extLst>
-              <a:ext uri="{FF2B5EF4-FFF2-40B4-BE49-F238E27FC236}">
-                <a16:creationId xmlns:a16="http://schemas.microsoft.com/office/drawing/2014/main" id="{180F9B77-09A1-41E5-BF13-EBD073812990}"/>
+          <p:cNvPr id="57" name="Textfeld 56">
+            <a:extLst>
+              <a:ext uri="{FF2B5EF4-FFF2-40B4-BE49-F238E27FC236}">
+                <a16:creationId xmlns:a16="http://schemas.microsoft.com/office/drawing/2014/main" id="{C2E4359C-0450-484F-BECC-41BC2BD2CA84}"/>
               </a:ext>
             </a:extLst>
           </p:cNvPr>
@@ -5266,8 +5896,8 @@
         </p:nvSpPr>
         <p:spPr>
           <a:xfrm>
-            <a:off x="5989358" y="4110918"/>
-            <a:ext cx="2734511" cy="261610"/>
+            <a:off x="395222" y="2924172"/>
+            <a:ext cx="3025276" cy="261610"/>
           </a:xfrm>
           <a:prstGeom prst="rect">
             <a:avLst/>
@@ -5281,12 +5911,28 @@
           <a:lstStyle/>
           <a:p>
             <a:r>
+              <a:rPr lang="de-DE" sz="1100" dirty="0"/>
+              <a:t>code/</a:t>
+            </a:r>
+            <a:r>
               <a:rPr lang="de-DE" sz="1100" dirty="0" err="1"/>
-              <a:t>analysis</a:t>
+              <a:t>processing_scripts</a:t>
             </a:r>
             <a:r>
               <a:rPr lang="de-DE" sz="1100" dirty="0"/>
-              <a:t>/ analysis_04_regression.Rmd</a:t>
+              <a:t>/02_&lt;</a:t>
+            </a:r>
+            <a:r>
+              <a:rPr lang="de-DE" sz="1100" dirty="0" err="1"/>
+              <a:t>xyz</a:t>
+            </a:r>
+            <a:r>
+              <a:rPr lang="de-DE" sz="1100" dirty="0"/>
+              <a:t>&gt;_</a:t>
+            </a:r>
+            <a:r>
+              <a:rPr lang="de-DE" sz="1100" dirty="0" err="1"/>
+              <a:t>parameters.R</a:t>
             </a:r>
             <a:endParaRPr lang="en-US" sz="1100" dirty="0"/>
           </a:p>
